--- a/Slides/Hockey 1/Hockey_1_Lecture.pptx
+++ b/Slides/Hockey 1/Hockey_1_Lecture.pptx
@@ -215,7 +215,7 @@
           <a:p>
             <a:fld id="{C04E5E84-956F-4423-97B3-5936A6D8EEEE}" type="datetimeFigureOut">
               <a:rPr lang="en-US" smtClean="0"/>
-              <a:t>11/19/2019</a:t>
+              <a:t>11/11/2020</a:t>
             </a:fld>
             <a:endParaRPr lang="en-US"/>
           </a:p>
@@ -629,7 +629,7 @@
           <a:p>
             <a:fld id="{3881C039-66A3-4640-815B-3B5A8B7D868D}" type="datetimeFigureOut">
               <a:rPr lang="en-US" smtClean="0"/>
-              <a:t>11/19/2019</a:t>
+              <a:t>11/11/2020</a:t>
             </a:fld>
             <a:endParaRPr lang="en-US"/>
           </a:p>
@@ -827,7 +827,7 @@
           <a:p>
             <a:fld id="{3881C039-66A3-4640-815B-3B5A8B7D868D}" type="datetimeFigureOut">
               <a:rPr lang="en-US" smtClean="0"/>
-              <a:t>11/19/2019</a:t>
+              <a:t>11/11/2020</a:t>
             </a:fld>
             <a:endParaRPr lang="en-US"/>
           </a:p>
@@ -1035,7 +1035,7 @@
           <a:p>
             <a:fld id="{3881C039-66A3-4640-815B-3B5A8B7D868D}" type="datetimeFigureOut">
               <a:rPr lang="en-US" smtClean="0"/>
-              <a:t>11/19/2019</a:t>
+              <a:t>11/11/2020</a:t>
             </a:fld>
             <a:endParaRPr lang="en-US"/>
           </a:p>
@@ -1233,7 +1233,7 @@
           <a:p>
             <a:fld id="{3881C039-66A3-4640-815B-3B5A8B7D868D}" type="datetimeFigureOut">
               <a:rPr lang="en-US" smtClean="0"/>
-              <a:t>11/19/2019</a:t>
+              <a:t>11/11/2020</a:t>
             </a:fld>
             <a:endParaRPr lang="en-US"/>
           </a:p>
@@ -1508,7 +1508,7 @@
           <a:p>
             <a:fld id="{3881C039-66A3-4640-815B-3B5A8B7D868D}" type="datetimeFigureOut">
               <a:rPr lang="en-US" smtClean="0"/>
-              <a:t>11/19/2019</a:t>
+              <a:t>11/11/2020</a:t>
             </a:fld>
             <a:endParaRPr lang="en-US"/>
           </a:p>
@@ -1773,7 +1773,7 @@
           <a:p>
             <a:fld id="{3881C039-66A3-4640-815B-3B5A8B7D868D}" type="datetimeFigureOut">
               <a:rPr lang="en-US" smtClean="0"/>
-              <a:t>11/19/2019</a:t>
+              <a:t>11/11/2020</a:t>
             </a:fld>
             <a:endParaRPr lang="en-US"/>
           </a:p>
@@ -2185,7 +2185,7 @@
           <a:p>
             <a:fld id="{3881C039-66A3-4640-815B-3B5A8B7D868D}" type="datetimeFigureOut">
               <a:rPr lang="en-US" smtClean="0"/>
-              <a:t>11/19/2019</a:t>
+              <a:t>11/11/2020</a:t>
             </a:fld>
             <a:endParaRPr lang="en-US"/>
           </a:p>
@@ -2326,7 +2326,7 @@
           <a:p>
             <a:fld id="{3881C039-66A3-4640-815B-3B5A8B7D868D}" type="datetimeFigureOut">
               <a:rPr lang="en-US" smtClean="0"/>
-              <a:t>11/19/2019</a:t>
+              <a:t>11/11/2020</a:t>
             </a:fld>
             <a:endParaRPr lang="en-US"/>
           </a:p>
@@ -2439,7 +2439,7 @@
           <a:p>
             <a:fld id="{3881C039-66A3-4640-815B-3B5A8B7D868D}" type="datetimeFigureOut">
               <a:rPr lang="en-US" smtClean="0"/>
-              <a:t>11/19/2019</a:t>
+              <a:t>11/11/2020</a:t>
             </a:fld>
             <a:endParaRPr lang="en-US"/>
           </a:p>
@@ -2750,7 +2750,7 @@
           <a:p>
             <a:fld id="{3881C039-66A3-4640-815B-3B5A8B7D868D}" type="datetimeFigureOut">
               <a:rPr lang="en-US" smtClean="0"/>
-              <a:t>11/19/2019</a:t>
+              <a:t>11/11/2020</a:t>
             </a:fld>
             <a:endParaRPr lang="en-US"/>
           </a:p>
@@ -3038,7 +3038,7 @@
           <a:p>
             <a:fld id="{3881C039-66A3-4640-815B-3B5A8B7D868D}" type="datetimeFigureOut">
               <a:rPr lang="en-US" smtClean="0"/>
-              <a:t>11/19/2019</a:t>
+              <a:t>11/11/2020</a:t>
             </a:fld>
             <a:endParaRPr lang="en-US"/>
           </a:p>
@@ -3282,7 +3282,7 @@
           <a:p>
             <a:fld id="{3881C039-66A3-4640-815B-3B5A8B7D868D}" type="datetimeFigureOut">
               <a:rPr lang="en-US" smtClean="0"/>
-              <a:t>11/19/2019</a:t>
+              <a:t>11/11/2020</a:t>
             </a:fld>
             <a:endParaRPr lang="en-US"/>
           </a:p>
@@ -14114,8 +14114,8 @@
           </a:p>
         </p:txBody>
       </p:sp>
-      <mc:AlternateContent xmlns:mc="http://schemas.openxmlformats.org/markup-compatibility/2006" xmlns:a14="http://schemas.microsoft.com/office/drawing/2010/main">
-        <mc:Choice Requires="a14">
+      <mc:AlternateContent xmlns:mc="http://schemas.openxmlformats.org/markup-compatibility/2006">
+        <mc:Choice xmlns:a14="http://schemas.microsoft.com/office/drawing/2010/main" Requires="a14">
           <p:sp>
             <p:nvSpPr>
               <p:cNvPr id="2" name="TextBox 1">
@@ -14170,7 +14170,7 @@
                               </a:solidFill>
                               <a:latin typeface="Cambria Math" panose="02040503050406030204" pitchFamily="18" charset="0"/>
                             </a:rPr>
-                            <m:t>𝑝</m:t>
+                            <m:t>𝑞</m:t>
                           </m:r>
                         </m:e>
                         <m:sub>
@@ -14389,7 +14389,7 @@
             </p:txBody>
           </p:sp>
         </mc:Choice>
-        <mc:Fallback xmlns="">
+        <mc:Fallback>
           <p:sp>
             <p:nvSpPr>
               <p:cNvPr id="2" name="TextBox 1">
